--- a/extraResources/Workshops-week3.pptx
+++ b/extraResources/Workshops-week3.pptx
@@ -6,7 +6,7 @@
     <p:sldMasterId id="2147483661" r:id="rId2"/>
   </p:sldMasterIdLst>
   <p:notesMasterIdLst>
-    <p:notesMasterId r:id="rId10"/>
+    <p:notesMasterId r:id="rId15"/>
   </p:notesMasterIdLst>
   <p:sldIdLst>
     <p:sldId id="257" r:id="rId3"/>
@@ -15,7 +15,12 @@
     <p:sldId id="270" r:id="rId6"/>
     <p:sldId id="271" r:id="rId7"/>
     <p:sldId id="272" r:id="rId8"/>
-    <p:sldId id="273" r:id="rId9"/>
+    <p:sldId id="277" r:id="rId9"/>
+    <p:sldId id="273" r:id="rId10"/>
+    <p:sldId id="275" r:id="rId11"/>
+    <p:sldId id="276" r:id="rId12"/>
+    <p:sldId id="274" r:id="rId13"/>
+    <p:sldId id="278" r:id="rId14"/>
   </p:sldIdLst>
   <p:sldSz cx="12192000" cy="6858000"/>
   <p:notesSz cx="6858000" cy="9144000"/>
@@ -204,7 +209,7 @@
           <a:p>
             <a:fld id="{CF5349D8-FE83-4AF1-84FD-A18D09539366}" type="datetimeFigureOut">
               <a:rPr lang="nl-NL" smtClean="0"/>
-              <a:t>18-1-2023</a:t>
+              <a:t>2-2-2023</a:t>
             </a:fld>
             <a:endParaRPr lang="nl-NL"/>
           </a:p>
@@ -696,7 +701,7 @@
           <a:p>
             <a:fld id="{86860FF9-1E05-445F-9375-F0CDFCF23908}" type="datetimeFigureOut">
               <a:rPr lang="nl-NL" smtClean="0"/>
-              <a:t>18-1-2023</a:t>
+              <a:t>2-2-2023</a:t>
             </a:fld>
             <a:endParaRPr lang="nl-NL"/>
           </a:p>
@@ -894,7 +899,7 @@
           <a:p>
             <a:fld id="{86860FF9-1E05-445F-9375-F0CDFCF23908}" type="datetimeFigureOut">
               <a:rPr lang="nl-NL" smtClean="0"/>
-              <a:t>18-1-2023</a:t>
+              <a:t>2-2-2023</a:t>
             </a:fld>
             <a:endParaRPr lang="nl-NL"/>
           </a:p>
@@ -1102,7 +1107,7 @@
           <a:p>
             <a:fld id="{86860FF9-1E05-445F-9375-F0CDFCF23908}" type="datetimeFigureOut">
               <a:rPr lang="nl-NL" smtClean="0"/>
-              <a:t>18-1-2023</a:t>
+              <a:t>2-2-2023</a:t>
             </a:fld>
             <a:endParaRPr lang="nl-NL"/>
           </a:p>
@@ -3141,7 +3146,7 @@
           <a:p>
             <a:fld id="{86860FF9-1E05-445F-9375-F0CDFCF23908}" type="datetimeFigureOut">
               <a:rPr lang="nl-NL" smtClean="0"/>
-              <a:t>18-1-2023</a:t>
+              <a:t>2-2-2023</a:t>
             </a:fld>
             <a:endParaRPr lang="nl-NL"/>
           </a:p>
@@ -4142,7 +4147,7 @@
           <a:p>
             <a:fld id="{86860FF9-1E05-445F-9375-F0CDFCF23908}" type="datetimeFigureOut">
               <a:rPr lang="nl-NL" smtClean="0"/>
-              <a:t>18-1-2023</a:t>
+              <a:t>2-2-2023</a:t>
             </a:fld>
             <a:endParaRPr lang="nl-NL"/>
           </a:p>
@@ -4407,7 +4412,7 @@
           <a:p>
             <a:fld id="{86860FF9-1E05-445F-9375-F0CDFCF23908}" type="datetimeFigureOut">
               <a:rPr lang="nl-NL" smtClean="0"/>
-              <a:t>18-1-2023</a:t>
+              <a:t>2-2-2023</a:t>
             </a:fld>
             <a:endParaRPr lang="nl-NL"/>
           </a:p>
@@ -4819,7 +4824,7 @@
           <a:p>
             <a:fld id="{86860FF9-1E05-445F-9375-F0CDFCF23908}" type="datetimeFigureOut">
               <a:rPr lang="nl-NL" smtClean="0"/>
-              <a:t>18-1-2023</a:t>
+              <a:t>2-2-2023</a:t>
             </a:fld>
             <a:endParaRPr lang="nl-NL"/>
           </a:p>
@@ -4960,7 +4965,7 @@
           <a:p>
             <a:fld id="{86860FF9-1E05-445F-9375-F0CDFCF23908}" type="datetimeFigureOut">
               <a:rPr lang="nl-NL" smtClean="0"/>
-              <a:t>18-1-2023</a:t>
+              <a:t>2-2-2023</a:t>
             </a:fld>
             <a:endParaRPr lang="nl-NL"/>
           </a:p>
@@ -5073,7 +5078,7 @@
           <a:p>
             <a:fld id="{86860FF9-1E05-445F-9375-F0CDFCF23908}" type="datetimeFigureOut">
               <a:rPr lang="nl-NL" smtClean="0"/>
-              <a:t>18-1-2023</a:t>
+              <a:t>2-2-2023</a:t>
             </a:fld>
             <a:endParaRPr lang="nl-NL"/>
           </a:p>
@@ -5384,7 +5389,7 @@
           <a:p>
             <a:fld id="{86860FF9-1E05-445F-9375-F0CDFCF23908}" type="datetimeFigureOut">
               <a:rPr lang="nl-NL" smtClean="0"/>
-              <a:t>18-1-2023</a:t>
+              <a:t>2-2-2023</a:t>
             </a:fld>
             <a:endParaRPr lang="nl-NL"/>
           </a:p>
@@ -5672,7 +5677,7 @@
           <a:p>
             <a:fld id="{86860FF9-1E05-445F-9375-F0CDFCF23908}" type="datetimeFigureOut">
               <a:rPr lang="nl-NL" smtClean="0"/>
-              <a:t>18-1-2023</a:t>
+              <a:t>2-2-2023</a:t>
             </a:fld>
             <a:endParaRPr lang="nl-NL"/>
           </a:p>
@@ -5913,7 +5918,7 @@
           <a:p>
             <a:fld id="{86860FF9-1E05-445F-9375-F0CDFCF23908}" type="datetimeFigureOut">
               <a:rPr lang="nl-NL" smtClean="0"/>
-              <a:t>18-1-2023</a:t>
+              <a:t>2-2-2023</a:t>
             </a:fld>
             <a:endParaRPr lang="nl-NL"/>
           </a:p>
@@ -7311,6 +7316,657 @@
 </p:sld>
 </file>
 
+<file path=ppt/slides/slide10.xml><?xml version="1.0" encoding="utf-8"?>
+<p:sld xmlns:a="http://schemas.openxmlformats.org/drawingml/2006/main" xmlns:r="http://schemas.openxmlformats.org/officeDocument/2006/relationships" xmlns:p="http://schemas.openxmlformats.org/presentationml/2006/main">
+  <p:cSld>
+    <p:spTree>
+      <p:nvGrpSpPr>
+        <p:cNvPr id="1" name=""/>
+        <p:cNvGrpSpPr/>
+        <p:nvPr/>
+      </p:nvGrpSpPr>
+      <p:grpSpPr>
+        <a:xfrm>
+          <a:off x="0" y="0"/>
+          <a:ext cx="0" cy="0"/>
+          <a:chOff x="0" y="0"/>
+          <a:chExt cx="0" cy="0"/>
+        </a:xfrm>
+      </p:grpSpPr>
+      <p:sp>
+        <p:nvSpPr>
+          <p:cNvPr id="2" name="Titel 1">
+            <a:extLst>
+              <a:ext uri="{FF2B5EF4-FFF2-40B4-BE49-F238E27FC236}">
+                <a16:creationId xmlns:a16="http://schemas.microsoft.com/office/drawing/2014/main" id="{E7D9D49D-EB46-441C-B82B-4555EED36D41}"/>
+              </a:ext>
+            </a:extLst>
+          </p:cNvPr>
+          <p:cNvSpPr>
+            <a:spLocks noGrp="1"/>
+          </p:cNvSpPr>
+          <p:nvPr>
+            <p:ph type="title"/>
+          </p:nvPr>
+        </p:nvSpPr>
+        <p:spPr/>
+        <p:txBody>
+          <a:bodyPr>
+            <a:normAutofit/>
+          </a:bodyPr>
+          <a:lstStyle/>
+          <a:p>
+            <a:r>
+              <a:rPr lang="en-US" dirty="0" err="1"/>
+              <a:t>Testen</a:t>
+            </a:r>
+            <a:r>
+              <a:rPr lang="en-US" dirty="0"/>
+              <a:t> van API’s met Postman</a:t>
+            </a:r>
+            <a:endParaRPr lang="nl-NL" dirty="0"/>
+          </a:p>
+        </p:txBody>
+      </p:sp>
+      <p:sp>
+        <p:nvSpPr>
+          <p:cNvPr id="3" name="Tijdelijke aanduiding voor inhoud 2">
+            <a:extLst>
+              <a:ext uri="{FF2B5EF4-FFF2-40B4-BE49-F238E27FC236}">
+                <a16:creationId xmlns:a16="http://schemas.microsoft.com/office/drawing/2014/main" id="{56FA4321-002F-491A-8A26-9818AC35EB81}"/>
+              </a:ext>
+            </a:extLst>
+          </p:cNvPr>
+          <p:cNvSpPr>
+            <a:spLocks noGrp="1"/>
+          </p:cNvSpPr>
+          <p:nvPr>
+            <p:ph idx="1"/>
+          </p:nvPr>
+        </p:nvSpPr>
+        <p:spPr>
+          <a:xfrm>
+            <a:off x="491067" y="1804543"/>
+            <a:ext cx="10477573" cy="4273580"/>
+          </a:xfrm>
+        </p:spPr>
+        <p:txBody>
+          <a:bodyPr/>
+          <a:lstStyle/>
+          <a:p>
+            <a:pPr marL="285750" indent="-285750">
+              <a:buFont typeface="Arial" panose="020B0604020202020204" pitchFamily="34" charset="0"/>
+              <a:buChar char="•"/>
+            </a:pPr>
+            <a:r>
+              <a:rPr lang="en-US" dirty="0"/>
+              <a:t>HTTP response</a:t>
+            </a:r>
+          </a:p>
+          <a:p>
+            <a:pPr marL="285750" indent="-285750">
+              <a:buFont typeface="Arial" panose="020B0604020202020204" pitchFamily="34" charset="0"/>
+              <a:buChar char="•"/>
+            </a:pPr>
+            <a:endParaRPr lang="en-US" dirty="0"/>
+          </a:p>
+          <a:p>
+            <a:pPr marL="285750" indent="-285750">
+              <a:buFont typeface="Arial" panose="020B0604020202020204" pitchFamily="34" charset="0"/>
+              <a:buChar char="•"/>
+            </a:pPr>
+            <a:endParaRPr lang="nl-NL" dirty="0"/>
+          </a:p>
+        </p:txBody>
+      </p:sp>
+      <p:pic>
+        <p:nvPicPr>
+          <p:cNvPr id="5" name="Afbeelding 4">
+            <a:extLst>
+              <a:ext uri="{FF2B5EF4-FFF2-40B4-BE49-F238E27FC236}">
+                <a16:creationId xmlns:a16="http://schemas.microsoft.com/office/drawing/2014/main" id="{A3AA4D1F-066C-1E67-2D7A-14D9188A7F2A}"/>
+              </a:ext>
+            </a:extLst>
+          </p:cNvPr>
+          <p:cNvPicPr>
+            <a:picLocks noChangeAspect="1"/>
+          </p:cNvPicPr>
+          <p:nvPr/>
+        </p:nvPicPr>
+        <p:blipFill>
+          <a:blip r:embed="rId2"/>
+          <a:stretch>
+            <a:fillRect/>
+          </a:stretch>
+        </p:blipFill>
+        <p:spPr>
+          <a:xfrm>
+            <a:off x="657697" y="2240364"/>
+            <a:ext cx="5763429" cy="3534268"/>
+          </a:xfrm>
+          <a:prstGeom prst="rect">
+            <a:avLst/>
+          </a:prstGeom>
+        </p:spPr>
+      </p:pic>
+    </p:spTree>
+    <p:extLst>
+      <p:ext uri="{BB962C8B-B14F-4D97-AF65-F5344CB8AC3E}">
+        <p14:creationId xmlns:p14="http://schemas.microsoft.com/office/powerpoint/2010/main" val="364091746"/>
+      </p:ext>
+    </p:extLst>
+  </p:cSld>
+  <p:clrMapOvr>
+    <a:masterClrMapping/>
+  </p:clrMapOvr>
+</p:sld>
+</file>
+
+<file path=ppt/slides/slide11.xml><?xml version="1.0" encoding="utf-8"?>
+<p:sld xmlns:a="http://schemas.openxmlformats.org/drawingml/2006/main" xmlns:r="http://schemas.openxmlformats.org/officeDocument/2006/relationships" xmlns:p="http://schemas.openxmlformats.org/presentationml/2006/main">
+  <p:cSld>
+    <p:spTree>
+      <p:nvGrpSpPr>
+        <p:cNvPr id="1" name=""/>
+        <p:cNvGrpSpPr/>
+        <p:nvPr/>
+      </p:nvGrpSpPr>
+      <p:grpSpPr>
+        <a:xfrm>
+          <a:off x="0" y="0"/>
+          <a:ext cx="0" cy="0"/>
+          <a:chOff x="0" y="0"/>
+          <a:chExt cx="0" cy="0"/>
+        </a:xfrm>
+      </p:grpSpPr>
+      <p:sp>
+        <p:nvSpPr>
+          <p:cNvPr id="2" name="Titel 1">
+            <a:extLst>
+              <a:ext uri="{FF2B5EF4-FFF2-40B4-BE49-F238E27FC236}">
+                <a16:creationId xmlns:a16="http://schemas.microsoft.com/office/drawing/2014/main" id="{FDC4217E-6CF0-C726-3628-3C54E28A256D}"/>
+              </a:ext>
+            </a:extLst>
+          </p:cNvPr>
+          <p:cNvSpPr>
+            <a:spLocks noGrp="1"/>
+          </p:cNvSpPr>
+          <p:nvPr>
+            <p:ph type="title"/>
+          </p:nvPr>
+        </p:nvSpPr>
+        <p:spPr/>
+        <p:txBody>
+          <a:bodyPr/>
+          <a:lstStyle/>
+          <a:p>
+            <a:r>
+              <a:rPr lang="en-GB" dirty="0"/>
+              <a:t>Het </a:t>
+            </a:r>
+            <a:r>
+              <a:rPr lang="en-GB" dirty="0" err="1"/>
+              <a:t>testen</a:t>
+            </a:r>
+            <a:r>
+              <a:rPr lang="en-GB" dirty="0"/>
+              <a:t> van </a:t>
+            </a:r>
+            <a:r>
+              <a:rPr lang="en-GB" dirty="0" err="1"/>
+              <a:t>api’s</a:t>
+            </a:r>
+            <a:endParaRPr lang="nl-NL" dirty="0"/>
+          </a:p>
+        </p:txBody>
+      </p:sp>
+      <p:sp>
+        <p:nvSpPr>
+          <p:cNvPr id="3" name="Tijdelijke aanduiding voor inhoud 2">
+            <a:extLst>
+              <a:ext uri="{FF2B5EF4-FFF2-40B4-BE49-F238E27FC236}">
+                <a16:creationId xmlns:a16="http://schemas.microsoft.com/office/drawing/2014/main" id="{2EB49477-3D9B-F73B-1F2D-D96976E2EA45}"/>
+              </a:ext>
+            </a:extLst>
+          </p:cNvPr>
+          <p:cNvSpPr>
+            <a:spLocks noGrp="1"/>
+          </p:cNvSpPr>
+          <p:nvPr>
+            <p:ph idx="1"/>
+          </p:nvPr>
+        </p:nvSpPr>
+        <p:spPr/>
+        <p:txBody>
+          <a:bodyPr/>
+          <a:lstStyle/>
+          <a:p>
+            <a:pPr marL="285750" indent="-285750">
+              <a:buFontTx/>
+              <a:buChar char="-"/>
+            </a:pPr>
+            <a:r>
+              <a:rPr lang="en-GB" dirty="0"/>
+              <a:t>Maak </a:t>
+            </a:r>
+            <a:r>
+              <a:rPr lang="en-GB" dirty="0" err="1"/>
+              <a:t>een</a:t>
+            </a:r>
+            <a:r>
+              <a:rPr lang="en-GB" dirty="0"/>
+              <a:t> </a:t>
+            </a:r>
+            <a:r>
+              <a:rPr lang="en-GB" dirty="0" err="1"/>
+              <a:t>stappen</a:t>
+            </a:r>
+            <a:r>
+              <a:rPr lang="en-GB" dirty="0"/>
+              <a:t> plan</a:t>
+            </a:r>
+          </a:p>
+          <a:p>
+            <a:pPr marL="285750" indent="-285750">
+              <a:buFontTx/>
+              <a:buChar char="-"/>
+            </a:pPr>
+            <a:endParaRPr lang="en-GB" dirty="0"/>
+          </a:p>
+          <a:p>
+            <a:pPr marL="285750" indent="-285750">
+              <a:buFontTx/>
+              <a:buChar char="-"/>
+            </a:pPr>
+            <a:r>
+              <a:rPr lang="en-GB" dirty="0" err="1"/>
+              <a:t>functies</a:t>
+            </a:r>
+            <a:endParaRPr lang="en-GB" dirty="0"/>
+          </a:p>
+          <a:p>
+            <a:pPr marL="285750" indent="-285750">
+              <a:buFontTx/>
+              <a:buChar char="-"/>
+            </a:pPr>
+            <a:endParaRPr lang="en-GB" dirty="0"/>
+          </a:p>
+          <a:p>
+            <a:pPr marL="285750" indent="-285750">
+              <a:buFontTx/>
+              <a:buChar char="-"/>
+            </a:pPr>
+            <a:r>
+              <a:rPr lang="en-GB" dirty="0"/>
+              <a:t>Endpoints (</a:t>
+            </a:r>
+            <a:r>
+              <a:rPr lang="en-GB" dirty="0" err="1"/>
+              <a:t>url</a:t>
+            </a:r>
+            <a:r>
+              <a:rPr lang="en-GB" dirty="0"/>
+              <a:t>)</a:t>
+            </a:r>
+          </a:p>
+          <a:p>
+            <a:pPr marL="285750" indent="-285750">
+              <a:buFontTx/>
+              <a:buChar char="-"/>
+            </a:pPr>
+            <a:endParaRPr lang="nl-NL" dirty="0"/>
+          </a:p>
+          <a:p>
+            <a:pPr marL="285750" indent="-285750">
+              <a:buFontTx/>
+              <a:buChar char="-"/>
+            </a:pPr>
+            <a:r>
+              <a:rPr lang="nl-NL" dirty="0"/>
+              <a:t>Response codes</a:t>
+            </a:r>
+          </a:p>
+          <a:p>
+            <a:pPr marL="285750" indent="-285750">
+              <a:buFontTx/>
+              <a:buChar char="-"/>
+            </a:pPr>
+            <a:endParaRPr lang="nl-NL" dirty="0"/>
+          </a:p>
+          <a:p>
+            <a:pPr marL="285750" indent="-285750">
+              <a:buFontTx/>
+              <a:buChar char="-"/>
+            </a:pPr>
+            <a:r>
+              <a:rPr lang="nl-NL" dirty="0"/>
+              <a:t>Data die je moet mee sturen</a:t>
+            </a:r>
+          </a:p>
+          <a:p>
+            <a:pPr marL="285750" indent="-285750">
+              <a:buFontTx/>
+              <a:buChar char="-"/>
+            </a:pPr>
+            <a:endParaRPr lang="nl-NL" dirty="0"/>
+          </a:p>
+          <a:p>
+            <a:pPr marL="285750" indent="-285750">
+              <a:buFontTx/>
+              <a:buChar char="-"/>
+            </a:pPr>
+            <a:r>
+              <a:rPr lang="nl-NL" dirty="0"/>
+              <a:t>Data die je ontvangt</a:t>
+            </a:r>
+          </a:p>
+        </p:txBody>
+      </p:sp>
+    </p:spTree>
+    <p:extLst>
+      <p:ext uri="{BB962C8B-B14F-4D97-AF65-F5344CB8AC3E}">
+        <p14:creationId xmlns:p14="http://schemas.microsoft.com/office/powerpoint/2010/main" val="3398628661"/>
+      </p:ext>
+    </p:extLst>
+  </p:cSld>
+  <p:clrMapOvr>
+    <a:masterClrMapping/>
+  </p:clrMapOvr>
+</p:sld>
+</file>
+
+<file path=ppt/slides/slide12.xml><?xml version="1.0" encoding="utf-8"?>
+<p:sld xmlns:a="http://schemas.openxmlformats.org/drawingml/2006/main" xmlns:r="http://schemas.openxmlformats.org/officeDocument/2006/relationships" xmlns:p="http://schemas.openxmlformats.org/presentationml/2006/main">
+  <p:cSld>
+    <p:bg>
+      <p:bgPr>
+        <a:solidFill>
+          <a:schemeClr val="bg1">
+            <a:tint val="95000"/>
+            <a:satMod val="170000"/>
+          </a:schemeClr>
+        </a:solidFill>
+        <a:effectLst/>
+      </p:bgPr>
+    </p:bg>
+    <p:spTree>
+      <p:nvGrpSpPr>
+        <p:cNvPr id="1" name=""/>
+        <p:cNvGrpSpPr/>
+        <p:nvPr/>
+      </p:nvGrpSpPr>
+      <p:grpSpPr>
+        <a:xfrm>
+          <a:off x="0" y="0"/>
+          <a:ext cx="0" cy="0"/>
+          <a:chOff x="0" y="0"/>
+          <a:chExt cx="0" cy="0"/>
+        </a:xfrm>
+      </p:grpSpPr>
+      <p:sp>
+        <p:nvSpPr>
+          <p:cNvPr id="2" name="Titel 1">
+            <a:extLst>
+              <a:ext uri="{FF2B5EF4-FFF2-40B4-BE49-F238E27FC236}">
+                <a16:creationId xmlns:a16="http://schemas.microsoft.com/office/drawing/2014/main" id="{404583E0-C50D-23DD-B75E-23BF1A386536}"/>
+              </a:ext>
+            </a:extLst>
+          </p:cNvPr>
+          <p:cNvSpPr>
+            <a:spLocks noGrp="1"/>
+          </p:cNvSpPr>
+          <p:nvPr>
+            <p:ph type="title"/>
+          </p:nvPr>
+        </p:nvSpPr>
+        <p:spPr>
+          <a:xfrm>
+            <a:off x="7464614" y="1783959"/>
+            <a:ext cx="4087306" cy="2889114"/>
+          </a:xfrm>
+        </p:spPr>
+        <p:txBody>
+          <a:bodyPr vert="horz" lIns="91440" tIns="45720" rIns="91440" bIns="45720" rtlCol="0" anchor="b">
+            <a:normAutofit/>
+          </a:bodyPr>
+          <a:lstStyle/>
+          <a:p>
+            <a:r>
+              <a:rPr lang="en-US" sz="5400">
+                <a:solidFill>
+                  <a:schemeClr val="tx1"/>
+                </a:solidFill>
+                <a:latin typeface="+mj-lt"/>
+                <a:ea typeface="+mj-ea"/>
+                <a:cs typeface="+mj-cs"/>
+              </a:rPr>
+              <a:t>Vragen?</a:t>
+            </a:r>
+          </a:p>
+        </p:txBody>
+      </p:sp>
+      <p:sp>
+        <p:nvSpPr>
+          <p:cNvPr id="10" name="Freeform: Shape 9">
+            <a:extLst>
+              <a:ext uri="{FF2B5EF4-FFF2-40B4-BE49-F238E27FC236}">
+                <a16:creationId xmlns:a16="http://schemas.microsoft.com/office/drawing/2014/main" id="{E49CC64F-7275-4E33-961B-0C5CDC439875}"/>
+              </a:ext>
+              <a:ext uri="{C183D7F6-B498-43B3-948B-1728B52AA6E4}">
+                <adec:decorative xmlns:adec="http://schemas.microsoft.com/office/drawing/2017/decorative" val="1"/>
+              </a:ext>
+            </a:extLst>
+          </p:cNvPr>
+          <p:cNvSpPr>
+            <a:spLocks noGrp="1" noRot="1" noChangeAspect="1" noMove="1" noResize="1" noEditPoints="1" noAdjustHandles="1" noChangeArrowheads="1" noChangeShapeType="1" noTextEdit="1"/>
+          </p:cNvSpPr>
+          <p:nvPr>
+            <p:extLst>
+              <p:ext uri="{386F3935-93C4-4BCD-93E2-E3B085C9AB24}">
+                <p16:designElem xmlns:p16="http://schemas.microsoft.com/office/powerpoint/2015/main" val="1"/>
+              </p:ext>
+            </p:extLst>
+          </p:nvPr>
+        </p:nvSpPr>
+        <p:spPr>
+          <a:xfrm flipH="1" flipV="1">
+            <a:off x="1" y="0"/>
+            <a:ext cx="7188051" cy="6858000"/>
+          </a:xfrm>
+          <a:custGeom>
+            <a:avLst/>
+            <a:gdLst>
+              <a:gd name="connsiteX0" fmla="*/ 7188051 w 7188051"/>
+              <a:gd name="connsiteY0" fmla="*/ 6858000 h 6858000"/>
+              <a:gd name="connsiteX1" fmla="*/ 108694 w 7188051"/>
+              <a:gd name="connsiteY1" fmla="*/ 6858000 h 6858000"/>
+              <a:gd name="connsiteX2" fmla="*/ 79127 w 7188051"/>
+              <a:gd name="connsiteY2" fmla="*/ 6681235 h 6858000"/>
+              <a:gd name="connsiteX3" fmla="*/ 0 w 7188051"/>
+              <a:gd name="connsiteY3" fmla="*/ 5565888 h 6858000"/>
+              <a:gd name="connsiteX4" fmla="*/ 2190696 w 7188051"/>
+              <a:gd name="connsiteY4" fmla="*/ 145339 h 6858000"/>
+              <a:gd name="connsiteX5" fmla="*/ 2339431 w 7188051"/>
+              <a:gd name="connsiteY5" fmla="*/ 0 h 6858000"/>
+              <a:gd name="connsiteX6" fmla="*/ 7188051 w 7188051"/>
+              <a:gd name="connsiteY6" fmla="*/ 0 h 6858000"/>
+            </a:gdLst>
+            <a:ahLst/>
+            <a:cxnLst>
+              <a:cxn ang="0">
+                <a:pos x="connsiteX0" y="connsiteY0"/>
+              </a:cxn>
+              <a:cxn ang="0">
+                <a:pos x="connsiteX1" y="connsiteY1"/>
+              </a:cxn>
+              <a:cxn ang="0">
+                <a:pos x="connsiteX2" y="connsiteY2"/>
+              </a:cxn>
+              <a:cxn ang="0">
+                <a:pos x="connsiteX3" y="connsiteY3"/>
+              </a:cxn>
+              <a:cxn ang="0">
+                <a:pos x="connsiteX4" y="connsiteY4"/>
+              </a:cxn>
+              <a:cxn ang="0">
+                <a:pos x="connsiteX5" y="connsiteY5"/>
+              </a:cxn>
+              <a:cxn ang="0">
+                <a:pos x="connsiteX6" y="connsiteY6"/>
+              </a:cxn>
+            </a:cxnLst>
+            <a:rect l="l" t="t" r="r" b="b"/>
+            <a:pathLst>
+              <a:path w="7188051" h="6858000">
+                <a:moveTo>
+                  <a:pt x="7188051" y="6858000"/>
+                </a:moveTo>
+                <a:lnTo>
+                  <a:pt x="108694" y="6858000"/>
+                </a:lnTo>
+                <a:lnTo>
+                  <a:pt x="79127" y="6681235"/>
+                </a:lnTo>
+                <a:cubicBezTo>
+                  <a:pt x="26981" y="6316967"/>
+                  <a:pt x="0" y="5944579"/>
+                  <a:pt x="0" y="5565888"/>
+                </a:cubicBezTo>
+                <a:cubicBezTo>
+                  <a:pt x="0" y="3459953"/>
+                  <a:pt x="834428" y="1548908"/>
+                  <a:pt x="2190696" y="145339"/>
+                </a:cubicBezTo>
+                <a:lnTo>
+                  <a:pt x="2339431" y="0"/>
+                </a:lnTo>
+                <a:lnTo>
+                  <a:pt x="7188051" y="0"/>
+                </a:lnTo>
+                <a:close/>
+              </a:path>
+            </a:pathLst>
+          </a:custGeom>
+          <a:solidFill>
+            <a:schemeClr val="tx1">
+              <a:alpha val="80000"/>
+            </a:schemeClr>
+          </a:solidFill>
+          <a:ln>
+            <a:noFill/>
+          </a:ln>
+        </p:spPr>
+        <p:style>
+          <a:lnRef idx="2">
+            <a:schemeClr val="accent1">
+              <a:shade val="50000"/>
+            </a:schemeClr>
+          </a:lnRef>
+          <a:fillRef idx="1">
+            <a:schemeClr val="accent1"/>
+          </a:fillRef>
+          <a:effectRef idx="0">
+            <a:schemeClr val="accent1"/>
+          </a:effectRef>
+          <a:fontRef idx="minor">
+            <a:schemeClr val="lt1"/>
+          </a:fontRef>
+        </p:style>
+        <p:txBody>
+          <a:bodyPr wrap="square" rtlCol="0" anchor="ctr">
+            <a:noAutofit/>
+          </a:bodyPr>
+          <a:lstStyle/>
+          <a:p>
+            <a:pPr algn="ctr"/>
+            <a:endParaRPr lang="en-US"/>
+          </a:p>
+        </p:txBody>
+      </p:sp>
+      <p:pic>
+        <p:nvPicPr>
+          <p:cNvPr id="5" name="Tijdelijke aanduiding voor inhoud 4">
+            <a:extLst>
+              <a:ext uri="{FF2B5EF4-FFF2-40B4-BE49-F238E27FC236}">
+                <a16:creationId xmlns:a16="http://schemas.microsoft.com/office/drawing/2014/main" id="{980FC7FB-3B12-2C08-34C8-881DD4511BE5}"/>
+              </a:ext>
+            </a:extLst>
+          </p:cNvPr>
+          <p:cNvPicPr>
+            <a:picLocks noGrp="1" noChangeAspect="1"/>
+          </p:cNvPicPr>
+          <p:nvPr>
+            <p:ph idx="1"/>
+          </p:nvPr>
+        </p:nvPicPr>
+        <p:blipFill rotWithShape="1">
+          <a:blip r:embed="rId2">
+            <a:extLst>
+              <a:ext uri="{28A0092B-C50C-407E-A947-70E740481C1C}">
+                <a14:useLocalDpi xmlns:a14="http://schemas.microsoft.com/office/drawing/2010/main" val="0"/>
+              </a:ext>
+            </a:extLst>
+          </a:blip>
+          <a:srcRect t="422" r="-1" b="2002"/>
+          <a:stretch/>
+        </p:blipFill>
+        <p:spPr>
+          <a:xfrm>
+            <a:off x="1" y="10"/>
+            <a:ext cx="7028495" cy="6857990"/>
+          </a:xfrm>
+          <a:custGeom>
+            <a:avLst/>
+            <a:gdLst/>
+            <a:ahLst/>
+            <a:cxnLst/>
+            <a:rect l="l" t="t" r="r" b="b"/>
+            <a:pathLst>
+              <a:path w="7028495" h="6858000">
+                <a:moveTo>
+                  <a:pt x="0" y="0"/>
+                </a:moveTo>
+                <a:lnTo>
+                  <a:pt x="6915668" y="0"/>
+                </a:lnTo>
+                <a:lnTo>
+                  <a:pt x="6952411" y="219663"/>
+                </a:lnTo>
+                <a:cubicBezTo>
+                  <a:pt x="7002551" y="569921"/>
+                  <a:pt x="7028495" y="927986"/>
+                  <a:pt x="7028495" y="1292112"/>
+                </a:cubicBezTo>
+                <a:cubicBezTo>
+                  <a:pt x="7028495" y="3343346"/>
+                  <a:pt x="6205186" y="5202289"/>
+                  <a:pt x="4870994" y="6556512"/>
+                </a:cubicBezTo>
+                <a:lnTo>
+                  <a:pt x="4556185" y="6858000"/>
+                </a:lnTo>
+                <a:lnTo>
+                  <a:pt x="0" y="6858000"/>
+                </a:lnTo>
+                <a:close/>
+              </a:path>
+            </a:pathLst>
+          </a:custGeom>
+        </p:spPr>
+      </p:pic>
+    </p:spTree>
+    <p:extLst>
+      <p:ext uri="{BB962C8B-B14F-4D97-AF65-F5344CB8AC3E}">
+        <p14:creationId xmlns:p14="http://schemas.microsoft.com/office/powerpoint/2010/main" val="3887821111"/>
+      </p:ext>
+    </p:extLst>
+  </p:cSld>
+  <p:clrMapOvr>
+    <a:overrideClrMapping bg1="dk1" tx1="lt1" bg2="dk2" tx2="lt2" accent1="accent1" accent2="accent2" accent3="accent3" accent4="accent4" accent5="accent5" accent6="accent6" hlink="hlink" folHlink="folHlink"/>
+  </p:clrMapOvr>
+</p:sld>
+</file>
+
 <file path=ppt/slides/slide2.xml><?xml version="1.0" encoding="utf-8"?>
 <p:sld xmlns:a="http://schemas.openxmlformats.org/drawingml/2006/main" xmlns:r="http://schemas.openxmlformats.org/officeDocument/2006/relationships" xmlns:p="http://schemas.openxmlformats.org/presentationml/2006/main">
   <p:cSld>
@@ -8469,6 +9125,42 @@
           </a:p>
         </p:txBody>
       </p:sp>
+      <p:pic>
+        <p:nvPicPr>
+          <p:cNvPr id="5" name="Afbeelding 4">
+            <a:extLst>
+              <a:ext uri="{FF2B5EF4-FFF2-40B4-BE49-F238E27FC236}">
+                <a16:creationId xmlns:a16="http://schemas.microsoft.com/office/drawing/2014/main" id="{BDACA5C9-CA4E-4159-8413-E3F106FBB2B0}"/>
+              </a:ext>
+            </a:extLst>
+          </p:cNvPr>
+          <p:cNvPicPr>
+            <a:picLocks noChangeAspect="1"/>
+          </p:cNvPicPr>
+          <p:nvPr/>
+        </p:nvPicPr>
+        <p:blipFill>
+          <a:blip r:embed="rId2">
+            <a:extLst>
+              <a:ext uri="{28A0092B-C50C-407E-A947-70E740481C1C}">
+                <a14:useLocalDpi xmlns:a14="http://schemas.microsoft.com/office/drawing/2010/main" val="0"/>
+              </a:ext>
+            </a:extLst>
+          </a:blip>
+          <a:stretch>
+            <a:fillRect/>
+          </a:stretch>
+        </p:blipFill>
+        <p:spPr>
+          <a:xfrm>
+            <a:off x="6709172" y="0"/>
+            <a:ext cx="5482828" cy="6858000"/>
+          </a:xfrm>
+          <a:prstGeom prst="rect">
+            <a:avLst/>
+          </a:prstGeom>
+        </p:spPr>
+      </p:pic>
     </p:spTree>
     <p:extLst>
       <p:ext uri="{BB962C8B-B14F-4D97-AF65-F5344CB8AC3E}">
@@ -8504,6 +9196,305 @@
           <p:cNvPr id="2" name="Titel 1">
             <a:extLst>
               <a:ext uri="{FF2B5EF4-FFF2-40B4-BE49-F238E27FC236}">
+                <a16:creationId xmlns:a16="http://schemas.microsoft.com/office/drawing/2014/main" id="{B2FA4CEA-A632-E7F5-B24A-DCEFE23B831D}"/>
+              </a:ext>
+            </a:extLst>
+          </p:cNvPr>
+          <p:cNvSpPr>
+            <a:spLocks noGrp="1"/>
+          </p:cNvSpPr>
+          <p:nvPr>
+            <p:ph type="title"/>
+          </p:nvPr>
+        </p:nvSpPr>
+        <p:spPr/>
+        <p:txBody>
+          <a:bodyPr/>
+          <a:lstStyle/>
+          <a:p>
+            <a:r>
+              <a:rPr lang="en-US" dirty="0"/>
+              <a:t>De </a:t>
+            </a:r>
+            <a:r>
+              <a:rPr lang="en-US" dirty="0" err="1"/>
+              <a:t>belangrijkste</a:t>
+            </a:r>
+            <a:r>
+              <a:rPr lang="en-US" dirty="0"/>
+              <a:t> </a:t>
+            </a:r>
+            <a:r>
+              <a:rPr lang="en-US" dirty="0" err="1"/>
+              <a:t>statussen</a:t>
+            </a:r>
+            <a:endParaRPr lang="nl-NL" dirty="0"/>
+          </a:p>
+        </p:txBody>
+      </p:sp>
+      <p:sp>
+        <p:nvSpPr>
+          <p:cNvPr id="3" name="Tijdelijke aanduiding voor inhoud 2">
+            <a:extLst>
+              <a:ext uri="{FF2B5EF4-FFF2-40B4-BE49-F238E27FC236}">
+                <a16:creationId xmlns:a16="http://schemas.microsoft.com/office/drawing/2014/main" id="{5CA72274-2DF1-B760-2AA3-D7A72E281F28}"/>
+              </a:ext>
+            </a:extLst>
+          </p:cNvPr>
+          <p:cNvSpPr>
+            <a:spLocks noGrp="1"/>
+          </p:cNvSpPr>
+          <p:nvPr>
+            <p:ph idx="1"/>
+          </p:nvPr>
+        </p:nvSpPr>
+        <p:spPr/>
+        <p:txBody>
+          <a:bodyPr/>
+          <a:lstStyle/>
+          <a:p>
+            <a:pPr marL="285750" indent="-285750">
+              <a:buFont typeface="Arial" panose="020B0604020202020204" pitchFamily="34" charset="0"/>
+              <a:buChar char="•"/>
+            </a:pPr>
+            <a:r>
+              <a:rPr lang="en-US" dirty="0"/>
+              <a:t>200 OK</a:t>
+            </a:r>
+          </a:p>
+          <a:p>
+            <a:pPr marL="285750" indent="-285750">
+              <a:buFont typeface="Arial" panose="020B0604020202020204" pitchFamily="34" charset="0"/>
+              <a:buChar char="•"/>
+            </a:pPr>
+            <a:r>
+              <a:rPr lang="en-US" dirty="0"/>
+              <a:t>201 Created</a:t>
+            </a:r>
+          </a:p>
+          <a:p>
+            <a:pPr marL="285750" indent="-285750">
+              <a:buFont typeface="Arial" panose="020B0604020202020204" pitchFamily="34" charset="0"/>
+              <a:buChar char="•"/>
+            </a:pPr>
+            <a:r>
+              <a:rPr lang="nl-NL" dirty="0"/>
+              <a:t>401 </a:t>
+            </a:r>
+            <a:r>
+              <a:rPr lang="nl-NL" dirty="0" err="1"/>
+              <a:t>Unauthorized</a:t>
+            </a:r>
+            <a:endParaRPr lang="nl-NL" dirty="0"/>
+          </a:p>
+          <a:p>
+            <a:pPr marL="285750" indent="-285750">
+              <a:buFont typeface="Arial" panose="020B0604020202020204" pitchFamily="34" charset="0"/>
+              <a:buChar char="•"/>
+            </a:pPr>
+            <a:r>
+              <a:rPr lang="nl-NL" dirty="0"/>
+              <a:t>403 </a:t>
+            </a:r>
+            <a:r>
+              <a:rPr lang="nl-NL" dirty="0" err="1"/>
+              <a:t>Forbidden</a:t>
+            </a:r>
+            <a:endParaRPr lang="nl-NL" dirty="0"/>
+          </a:p>
+          <a:p>
+            <a:pPr marL="285750" indent="-285750">
+              <a:buFont typeface="Arial" panose="020B0604020202020204" pitchFamily="34" charset="0"/>
+              <a:buChar char="•"/>
+            </a:pPr>
+            <a:r>
+              <a:rPr lang="nl-NL" dirty="0"/>
+              <a:t>404 </a:t>
+            </a:r>
+            <a:r>
+              <a:rPr lang="nl-NL" dirty="0" err="1"/>
+              <a:t>Not</a:t>
+            </a:r>
+            <a:r>
+              <a:rPr lang="nl-NL" dirty="0"/>
+              <a:t> Found</a:t>
+            </a:r>
+          </a:p>
+          <a:p>
+            <a:pPr marL="285750" indent="-285750">
+              <a:buFont typeface="Arial" panose="020B0604020202020204" pitchFamily="34" charset="0"/>
+              <a:buChar char="•"/>
+            </a:pPr>
+            <a:r>
+              <a:rPr lang="nl-NL" dirty="0"/>
+              <a:t>405 Method </a:t>
+            </a:r>
+            <a:r>
+              <a:rPr lang="nl-NL" dirty="0" err="1"/>
+              <a:t>Not</a:t>
+            </a:r>
+            <a:r>
+              <a:rPr lang="nl-NL" dirty="0"/>
+              <a:t> </a:t>
+            </a:r>
+            <a:r>
+              <a:rPr lang="nl-NL" dirty="0" err="1"/>
+              <a:t>Allowed</a:t>
+            </a:r>
+            <a:endParaRPr lang="nl-NL" dirty="0"/>
+          </a:p>
+          <a:p>
+            <a:pPr marL="285750" indent="-285750">
+              <a:buFont typeface="Arial" panose="020B0604020202020204" pitchFamily="34" charset="0"/>
+              <a:buChar char="•"/>
+            </a:pPr>
+            <a:r>
+              <a:rPr lang="nl-NL" dirty="0"/>
+              <a:t>422 </a:t>
+            </a:r>
+            <a:r>
+              <a:rPr lang="nl-NL" dirty="0" err="1"/>
+              <a:t>Unprocessable</a:t>
+            </a:r>
+            <a:r>
+              <a:rPr lang="nl-NL" dirty="0"/>
+              <a:t> </a:t>
+            </a:r>
+            <a:r>
+              <a:rPr lang="nl-NL" dirty="0" err="1"/>
+              <a:t>Entity</a:t>
+            </a:r>
+            <a:endParaRPr lang="nl-NL" dirty="0"/>
+          </a:p>
+          <a:p>
+            <a:pPr marL="285750" indent="-285750">
+              <a:buFont typeface="Arial" panose="020B0604020202020204" pitchFamily="34" charset="0"/>
+              <a:buChar char="•"/>
+            </a:pPr>
+            <a:r>
+              <a:rPr lang="nl-NL" dirty="0"/>
+              <a:t>500 </a:t>
+            </a:r>
+            <a:r>
+              <a:rPr lang="nl-NL" dirty="0" err="1"/>
+              <a:t>Internal</a:t>
+            </a:r>
+            <a:r>
+              <a:rPr lang="nl-NL" dirty="0"/>
+              <a:t> Server Error</a:t>
+            </a:r>
+          </a:p>
+          <a:p>
+            <a:pPr marL="285750" indent="-285750">
+              <a:buFont typeface="Arial" panose="020B0604020202020204" pitchFamily="34" charset="0"/>
+              <a:buChar char="•"/>
+            </a:pPr>
+            <a:r>
+              <a:rPr lang="nl-NL" dirty="0"/>
+              <a:t>503 Service </a:t>
+            </a:r>
+            <a:r>
+              <a:rPr lang="nl-NL" dirty="0" err="1"/>
+              <a:t>Unavailable</a:t>
+            </a:r>
+            <a:endParaRPr lang="nl-NL" dirty="0"/>
+          </a:p>
+          <a:p>
+            <a:pPr marL="285750" indent="-285750">
+              <a:buFont typeface="Arial" panose="020B0604020202020204" pitchFamily="34" charset="0"/>
+              <a:buChar char="•"/>
+            </a:pPr>
+            <a:endParaRPr lang="nl-NL" dirty="0"/>
+          </a:p>
+          <a:p>
+            <a:pPr marL="285750" indent="-285750">
+              <a:buFont typeface="Arial" panose="020B0604020202020204" pitchFamily="34" charset="0"/>
+              <a:buChar char="•"/>
+            </a:pPr>
+            <a:r>
+              <a:rPr lang="nl-NL" dirty="0">
+                <a:hlinkClick r:id="rId2"/>
+              </a:rPr>
+              <a:t>https://developer.mozilla.org/en-US/docs/Web/HTTP/Status</a:t>
+            </a:r>
+            <a:r>
+              <a:rPr lang="nl-NL" dirty="0"/>
+              <a:t> </a:t>
+            </a:r>
+          </a:p>
+        </p:txBody>
+      </p:sp>
+      <p:pic>
+        <p:nvPicPr>
+          <p:cNvPr id="5" name="Afbeelding 4">
+            <a:extLst>
+              <a:ext uri="{FF2B5EF4-FFF2-40B4-BE49-F238E27FC236}">
+                <a16:creationId xmlns:a16="http://schemas.microsoft.com/office/drawing/2014/main" id="{357C0982-F45D-CBD1-3527-AE643686BD20}"/>
+              </a:ext>
+            </a:extLst>
+          </p:cNvPr>
+          <p:cNvPicPr>
+            <a:picLocks noChangeAspect="1"/>
+          </p:cNvPicPr>
+          <p:nvPr/>
+        </p:nvPicPr>
+        <p:blipFill>
+          <a:blip r:embed="rId3">
+            <a:extLst>
+              <a:ext uri="{28A0092B-C50C-407E-A947-70E740481C1C}">
+                <a14:useLocalDpi xmlns:a14="http://schemas.microsoft.com/office/drawing/2010/main" val="0"/>
+              </a:ext>
+            </a:extLst>
+          </a:blip>
+          <a:stretch>
+            <a:fillRect/>
+          </a:stretch>
+        </p:blipFill>
+        <p:spPr>
+          <a:xfrm>
+            <a:off x="6601862" y="1080168"/>
+            <a:ext cx="5452549" cy="4362039"/>
+          </a:xfrm>
+          <a:prstGeom prst="rect">
+            <a:avLst/>
+          </a:prstGeom>
+        </p:spPr>
+      </p:pic>
+    </p:spTree>
+    <p:extLst>
+      <p:ext uri="{BB962C8B-B14F-4D97-AF65-F5344CB8AC3E}">
+        <p14:creationId xmlns:p14="http://schemas.microsoft.com/office/powerpoint/2010/main" val="2179372167"/>
+      </p:ext>
+    </p:extLst>
+  </p:cSld>
+  <p:clrMapOvr>
+    <a:masterClrMapping/>
+  </p:clrMapOvr>
+</p:sld>
+</file>
+
+<file path=ppt/slides/slide8.xml><?xml version="1.0" encoding="utf-8"?>
+<p:sld xmlns:a="http://schemas.openxmlformats.org/drawingml/2006/main" xmlns:r="http://schemas.openxmlformats.org/officeDocument/2006/relationships" xmlns:p="http://schemas.openxmlformats.org/presentationml/2006/main">
+  <p:cSld>
+    <p:spTree>
+      <p:nvGrpSpPr>
+        <p:cNvPr id="1" name=""/>
+        <p:cNvGrpSpPr/>
+        <p:nvPr/>
+      </p:nvGrpSpPr>
+      <p:grpSpPr>
+        <a:xfrm>
+          <a:off x="0" y="0"/>
+          <a:ext cx="0" cy="0"/>
+          <a:chOff x="0" y="0"/>
+          <a:chExt cx="0" cy="0"/>
+        </a:xfrm>
+      </p:grpSpPr>
+      <p:sp>
+        <p:nvSpPr>
+          <p:cNvPr id="2" name="Titel 1">
+            <a:extLst>
+              <a:ext uri="{FF2B5EF4-FFF2-40B4-BE49-F238E27FC236}">
                 <a16:creationId xmlns:a16="http://schemas.microsoft.com/office/drawing/2014/main" id="{E7D9D49D-EB46-441C-B82B-4555EED36D41}"/>
               </a:ext>
             </a:extLst>
@@ -8561,42 +9552,191 @@
             </a:pPr>
             <a:r>
               <a:rPr lang="en-US" dirty="0"/>
-              <a:t>HTTP body (</a:t>
+              <a:t>HTTP method </a:t>
             </a:r>
             <a:r>
               <a:rPr lang="en-US" dirty="0" err="1"/>
-              <a:t>json</a:t>
-            </a:r>
-            <a:r>
-              <a:rPr lang="en-US"/>
-              <a:t>)</a:t>
-            </a:r>
-            <a:endParaRPr lang="en-US" dirty="0"/>
-          </a:p>
+              <a:t>en</a:t>
+            </a:r>
+            <a:r>
+              <a:rPr lang="en-US" dirty="0"/>
+              <a:t> </a:t>
+            </a:r>
+            <a:r>
+              <a:rPr lang="en-US" dirty="0" err="1"/>
+              <a:t>url</a:t>
+            </a:r>
+            <a:endParaRPr lang="nl-NL" dirty="0"/>
+          </a:p>
+        </p:txBody>
+      </p:sp>
+      <p:pic>
+        <p:nvPicPr>
+          <p:cNvPr id="7" name="Afbeelding 6">
+            <a:extLst>
+              <a:ext uri="{FF2B5EF4-FFF2-40B4-BE49-F238E27FC236}">
+                <a16:creationId xmlns:a16="http://schemas.microsoft.com/office/drawing/2014/main" id="{438367F3-A9D7-DC09-4E48-5D89744666D4}"/>
+              </a:ext>
+            </a:extLst>
+          </p:cNvPr>
+          <p:cNvPicPr>
+            <a:picLocks noChangeAspect="1"/>
+          </p:cNvPicPr>
+          <p:nvPr/>
+        </p:nvPicPr>
+        <p:blipFill>
+          <a:blip r:embed="rId2"/>
+          <a:stretch>
+            <a:fillRect/>
+          </a:stretch>
+        </p:blipFill>
+        <p:spPr>
+          <a:xfrm>
+            <a:off x="0" y="2892713"/>
+            <a:ext cx="12192000" cy="1827582"/>
+          </a:xfrm>
+          <a:prstGeom prst="rect">
+            <a:avLst/>
+          </a:prstGeom>
+        </p:spPr>
+      </p:pic>
+    </p:spTree>
+    <p:extLst>
+      <p:ext uri="{BB962C8B-B14F-4D97-AF65-F5344CB8AC3E}">
+        <p14:creationId xmlns:p14="http://schemas.microsoft.com/office/powerpoint/2010/main" val="2980292571"/>
+      </p:ext>
+    </p:extLst>
+  </p:cSld>
+  <p:clrMapOvr>
+    <a:masterClrMapping/>
+  </p:clrMapOvr>
+</p:sld>
+</file>
+
+<file path=ppt/slides/slide9.xml><?xml version="1.0" encoding="utf-8"?>
+<p:sld xmlns:a="http://schemas.openxmlformats.org/drawingml/2006/main" xmlns:r="http://schemas.openxmlformats.org/officeDocument/2006/relationships" xmlns:p="http://schemas.openxmlformats.org/presentationml/2006/main">
+  <p:cSld>
+    <p:spTree>
+      <p:nvGrpSpPr>
+        <p:cNvPr id="1" name=""/>
+        <p:cNvGrpSpPr/>
+        <p:nvPr/>
+      </p:nvGrpSpPr>
+      <p:grpSpPr>
+        <a:xfrm>
+          <a:off x="0" y="0"/>
+          <a:ext cx="0" cy="0"/>
+          <a:chOff x="0" y="0"/>
+          <a:chExt cx="0" cy="0"/>
+        </a:xfrm>
+      </p:grpSpPr>
+      <p:sp>
+        <p:nvSpPr>
+          <p:cNvPr id="2" name="Titel 1">
+            <a:extLst>
+              <a:ext uri="{FF2B5EF4-FFF2-40B4-BE49-F238E27FC236}">
+                <a16:creationId xmlns:a16="http://schemas.microsoft.com/office/drawing/2014/main" id="{E7D9D49D-EB46-441C-B82B-4555EED36D41}"/>
+              </a:ext>
+            </a:extLst>
+          </p:cNvPr>
+          <p:cNvSpPr>
+            <a:spLocks noGrp="1"/>
+          </p:cNvSpPr>
+          <p:nvPr>
+            <p:ph type="title"/>
+          </p:nvPr>
+        </p:nvSpPr>
+        <p:spPr/>
+        <p:txBody>
+          <a:bodyPr>
+            <a:normAutofit/>
+          </a:bodyPr>
+          <a:lstStyle/>
+          <a:p>
+            <a:r>
+              <a:rPr lang="en-US" dirty="0" err="1"/>
+              <a:t>Testen</a:t>
+            </a:r>
+            <a:r>
+              <a:rPr lang="en-US" dirty="0"/>
+              <a:t> van API’s met Postman</a:t>
+            </a:r>
+            <a:endParaRPr lang="nl-NL" dirty="0"/>
+          </a:p>
+        </p:txBody>
+      </p:sp>
+      <p:sp>
+        <p:nvSpPr>
+          <p:cNvPr id="3" name="Tijdelijke aanduiding voor inhoud 2">
+            <a:extLst>
+              <a:ext uri="{FF2B5EF4-FFF2-40B4-BE49-F238E27FC236}">
+                <a16:creationId xmlns:a16="http://schemas.microsoft.com/office/drawing/2014/main" id="{56FA4321-002F-491A-8A26-9818AC35EB81}"/>
+              </a:ext>
+            </a:extLst>
+          </p:cNvPr>
+          <p:cNvSpPr>
+            <a:spLocks noGrp="1"/>
+          </p:cNvSpPr>
+          <p:nvPr>
+            <p:ph idx="1"/>
+          </p:nvPr>
+        </p:nvSpPr>
+        <p:spPr>
+          <a:xfrm>
+            <a:off x="491067" y="1804543"/>
+            <a:ext cx="10477573" cy="4273580"/>
+          </a:xfrm>
+        </p:spPr>
+        <p:txBody>
+          <a:bodyPr/>
+          <a:lstStyle/>
           <a:p>
             <a:pPr marL="285750" indent="-285750">
               <a:buFont typeface="Arial" panose="020B0604020202020204" pitchFamily="34" charset="0"/>
               <a:buChar char="•"/>
             </a:pPr>
-            <a:endParaRPr lang="en-US" dirty="0"/>
-          </a:p>
-          <a:p>
-            <a:pPr marL="285750" indent="-285750">
-              <a:buFont typeface="Arial" panose="020B0604020202020204" pitchFamily="34" charset="0"/>
-              <a:buChar char="•"/>
-            </a:pPr>
             <a:r>
               <a:rPr lang="en-US" dirty="0"/>
-              <a:t>HTTP headers</a:t>
+              <a:t>HTTP body</a:t>
             </a:r>
             <a:endParaRPr lang="nl-NL" dirty="0"/>
           </a:p>
         </p:txBody>
       </p:sp>
+      <p:pic>
+        <p:nvPicPr>
+          <p:cNvPr id="5" name="Afbeelding 4">
+            <a:extLst>
+              <a:ext uri="{FF2B5EF4-FFF2-40B4-BE49-F238E27FC236}">
+                <a16:creationId xmlns:a16="http://schemas.microsoft.com/office/drawing/2014/main" id="{CB7086E1-2790-34F9-EC9E-358CF8EF85B4}"/>
+              </a:ext>
+            </a:extLst>
+          </p:cNvPr>
+          <p:cNvPicPr>
+            <a:picLocks noChangeAspect="1"/>
+          </p:cNvPicPr>
+          <p:nvPr/>
+        </p:nvPicPr>
+        <p:blipFill>
+          <a:blip r:embed="rId2"/>
+          <a:stretch>
+            <a:fillRect/>
+          </a:stretch>
+        </p:blipFill>
+        <p:spPr>
+          <a:xfrm>
+            <a:off x="2985653" y="1890498"/>
+            <a:ext cx="6220693" cy="3077004"/>
+          </a:xfrm>
+          <a:prstGeom prst="rect">
+            <a:avLst/>
+          </a:prstGeom>
+        </p:spPr>
+      </p:pic>
     </p:spTree>
     <p:extLst>
       <p:ext uri="{BB962C8B-B14F-4D97-AF65-F5344CB8AC3E}">
-        <p14:creationId xmlns:p14="http://schemas.microsoft.com/office/powerpoint/2010/main" val="2980292571"/>
+        <p14:creationId xmlns:p14="http://schemas.microsoft.com/office/powerpoint/2010/main" val="2628779205"/>
       </p:ext>
     </p:extLst>
   </p:cSld>
